--- a/ppt 16-9/0899.地的四极都想念.pptx
+++ b/ppt 16-9/0899.地的四极都想念.pptx
@@ -5,7 +5,7 @@
     <p:sldMasterId id="2147483648" r:id="rId1"/>
   </p:sldMasterIdLst>
   <p:sldIdLst>
-    <p:sldId id="2222" r:id="rId2"/>
+    <p:sldId id="2225" r:id="rId2"/>
   </p:sldIdLst>
   <p:sldSz cx="12192000" cy="6858000"/>
   <p:notesSz cx="6858000" cy="9144000"/>
@@ -129,7 +129,7 @@
           <p:cNvPr id="2" name="标题 1">
             <a:extLst>
               <a:ext uri="{FF2B5EF4-FFF2-40B4-BE49-F238E27FC236}">
-                <a16:creationId xmlns:a16="http://schemas.microsoft.com/office/drawing/2014/main" id="{AF46B175-4658-FB0E-2D63-A75035370EEA}"/>
+                <a16:creationId xmlns:a16="http://schemas.microsoft.com/office/drawing/2014/main" id="{CBF5ED6E-F800-1B9C-1CF7-06FCA26F5D9B}"/>
               </a:ext>
             </a:extLst>
           </p:cNvPr>
@@ -166,7 +166,7 @@
           <p:cNvPr id="3" name="副标题 2">
             <a:extLst>
               <a:ext uri="{FF2B5EF4-FFF2-40B4-BE49-F238E27FC236}">
-                <a16:creationId xmlns:a16="http://schemas.microsoft.com/office/drawing/2014/main" id="{CA360DC4-093F-E3C4-B5EB-202427F832DC}"/>
+                <a16:creationId xmlns:a16="http://schemas.microsoft.com/office/drawing/2014/main" id="{C109A688-590D-7453-2B38-F3F07AF3CDF2}"/>
               </a:ext>
             </a:extLst>
           </p:cNvPr>
@@ -236,7 +236,7 @@
           <p:cNvPr id="4" name="日期占位符 3">
             <a:extLst>
               <a:ext uri="{FF2B5EF4-FFF2-40B4-BE49-F238E27FC236}">
-                <a16:creationId xmlns:a16="http://schemas.microsoft.com/office/drawing/2014/main" id="{053DC681-03BC-AAEE-B186-977EA1C29222}"/>
+                <a16:creationId xmlns:a16="http://schemas.microsoft.com/office/drawing/2014/main" id="{05DAD0CB-AC7A-4FF0-0873-545BCA6D34B6}"/>
               </a:ext>
             </a:extLst>
           </p:cNvPr>
@@ -252,7 +252,7 @@
           <a:bodyPr/>
           <a:lstStyle/>
           <a:p>
-            <a:fld id="{80515C46-47E4-453F-A723-13E5B03BA35D}" type="datetimeFigureOut">
+            <a:fld id="{D2556E46-BA6E-43D8-B233-0D5DAEF78CBA}" type="datetimeFigureOut">
               <a:rPr lang="zh-CN" altLang="en-US" smtClean="0"/>
               <a:t>2024/3/10</a:t>
             </a:fld>
@@ -265,7 +265,7 @@
           <p:cNvPr id="5" name="页脚占位符 4">
             <a:extLst>
               <a:ext uri="{FF2B5EF4-FFF2-40B4-BE49-F238E27FC236}">
-                <a16:creationId xmlns:a16="http://schemas.microsoft.com/office/drawing/2014/main" id="{7AD905C7-6FED-132C-C691-9AA5B9073669}"/>
+                <a16:creationId xmlns:a16="http://schemas.microsoft.com/office/drawing/2014/main" id="{AE882389-5A16-A170-93D5-E8BCCB7BB8F2}"/>
               </a:ext>
             </a:extLst>
           </p:cNvPr>
@@ -290,7 +290,7 @@
           <p:cNvPr id="6" name="灯片编号占位符 5">
             <a:extLst>
               <a:ext uri="{FF2B5EF4-FFF2-40B4-BE49-F238E27FC236}">
-                <a16:creationId xmlns:a16="http://schemas.microsoft.com/office/drawing/2014/main" id="{CB149121-5614-0050-77C8-F7E7E47F226B}"/>
+                <a16:creationId xmlns:a16="http://schemas.microsoft.com/office/drawing/2014/main" id="{61E0B8D2-66DF-D719-038F-24F7595C83D0}"/>
               </a:ext>
             </a:extLst>
           </p:cNvPr>
@@ -306,7 +306,7 @@
           <a:bodyPr/>
           <a:lstStyle/>
           <a:p>
-            <a:fld id="{720E33EE-3795-4EB6-B4FD-6662FD8F796F}" type="slidenum">
+            <a:fld id="{B73C33F9-7D4E-4987-8719-C2D3CB22C427}" type="slidenum">
               <a:rPr lang="zh-CN" altLang="en-US" smtClean="0"/>
               <a:t>‹#›</a:t>
             </a:fld>
@@ -317,7 +317,7 @@
     </p:spTree>
     <p:extLst>
       <p:ext uri="{BB962C8B-B14F-4D97-AF65-F5344CB8AC3E}">
-        <p14:creationId xmlns:p14="http://schemas.microsoft.com/office/powerpoint/2010/main" val="86464852"/>
+        <p14:creationId xmlns:p14="http://schemas.microsoft.com/office/powerpoint/2010/main" val="1454923174"/>
       </p:ext>
     </p:extLst>
   </p:cSld>
@@ -349,7 +349,7 @@
           <p:cNvPr id="2" name="标题 1">
             <a:extLst>
               <a:ext uri="{FF2B5EF4-FFF2-40B4-BE49-F238E27FC236}">
-                <a16:creationId xmlns:a16="http://schemas.microsoft.com/office/drawing/2014/main" id="{4969B7EC-3D69-5716-0F92-C91677C24F61}"/>
+                <a16:creationId xmlns:a16="http://schemas.microsoft.com/office/drawing/2014/main" id="{D67F4512-F6A9-D803-AC96-D82169DED133}"/>
               </a:ext>
             </a:extLst>
           </p:cNvPr>
@@ -377,7 +377,7 @@
           <p:cNvPr id="3" name="竖排文字占位符 2">
             <a:extLst>
               <a:ext uri="{FF2B5EF4-FFF2-40B4-BE49-F238E27FC236}">
-                <a16:creationId xmlns:a16="http://schemas.microsoft.com/office/drawing/2014/main" id="{42704FE2-FC49-7963-A7D3-376E4EB00AB6}"/>
+                <a16:creationId xmlns:a16="http://schemas.microsoft.com/office/drawing/2014/main" id="{DDC981A9-6C2F-2124-14F0-148EDFC1F3B8}"/>
               </a:ext>
             </a:extLst>
           </p:cNvPr>
@@ -434,7 +434,7 @@
           <p:cNvPr id="4" name="日期占位符 3">
             <a:extLst>
               <a:ext uri="{FF2B5EF4-FFF2-40B4-BE49-F238E27FC236}">
-                <a16:creationId xmlns:a16="http://schemas.microsoft.com/office/drawing/2014/main" id="{E485F952-3369-7B4B-D58C-20C23384E17B}"/>
+                <a16:creationId xmlns:a16="http://schemas.microsoft.com/office/drawing/2014/main" id="{5558028D-4746-53BD-B668-12D0C7DB6D7A}"/>
               </a:ext>
             </a:extLst>
           </p:cNvPr>
@@ -450,7 +450,7 @@
           <a:bodyPr/>
           <a:lstStyle/>
           <a:p>
-            <a:fld id="{80515C46-47E4-453F-A723-13E5B03BA35D}" type="datetimeFigureOut">
+            <a:fld id="{D2556E46-BA6E-43D8-B233-0D5DAEF78CBA}" type="datetimeFigureOut">
               <a:rPr lang="zh-CN" altLang="en-US" smtClean="0"/>
               <a:t>2024/3/10</a:t>
             </a:fld>
@@ -463,7 +463,7 @@
           <p:cNvPr id="5" name="页脚占位符 4">
             <a:extLst>
               <a:ext uri="{FF2B5EF4-FFF2-40B4-BE49-F238E27FC236}">
-                <a16:creationId xmlns:a16="http://schemas.microsoft.com/office/drawing/2014/main" id="{0A1ED17D-9827-26D8-17D7-9D3C72346A15}"/>
+                <a16:creationId xmlns:a16="http://schemas.microsoft.com/office/drawing/2014/main" id="{B6051B9F-20DE-6377-07B7-F4CA4B06FEBB}"/>
               </a:ext>
             </a:extLst>
           </p:cNvPr>
@@ -488,7 +488,7 @@
           <p:cNvPr id="6" name="灯片编号占位符 5">
             <a:extLst>
               <a:ext uri="{FF2B5EF4-FFF2-40B4-BE49-F238E27FC236}">
-                <a16:creationId xmlns:a16="http://schemas.microsoft.com/office/drawing/2014/main" id="{19773382-868C-5ED2-1755-600000599ACB}"/>
+                <a16:creationId xmlns:a16="http://schemas.microsoft.com/office/drawing/2014/main" id="{208E5443-E137-66E5-923E-493A7E99E693}"/>
               </a:ext>
             </a:extLst>
           </p:cNvPr>
@@ -504,7 +504,7 @@
           <a:bodyPr/>
           <a:lstStyle/>
           <a:p>
-            <a:fld id="{720E33EE-3795-4EB6-B4FD-6662FD8F796F}" type="slidenum">
+            <a:fld id="{B73C33F9-7D4E-4987-8719-C2D3CB22C427}" type="slidenum">
               <a:rPr lang="zh-CN" altLang="en-US" smtClean="0"/>
               <a:t>‹#›</a:t>
             </a:fld>
@@ -515,7 +515,7 @@
     </p:spTree>
     <p:extLst>
       <p:ext uri="{BB962C8B-B14F-4D97-AF65-F5344CB8AC3E}">
-        <p14:creationId xmlns:p14="http://schemas.microsoft.com/office/powerpoint/2010/main" val="2688301258"/>
+        <p14:creationId xmlns:p14="http://schemas.microsoft.com/office/powerpoint/2010/main" val="3317089539"/>
       </p:ext>
     </p:extLst>
   </p:cSld>
@@ -547,7 +547,7 @@
           <p:cNvPr id="2" name="竖排标题 1">
             <a:extLst>
               <a:ext uri="{FF2B5EF4-FFF2-40B4-BE49-F238E27FC236}">
-                <a16:creationId xmlns:a16="http://schemas.microsoft.com/office/drawing/2014/main" id="{B7A75160-5D98-7D3D-4EED-846651A76650}"/>
+                <a16:creationId xmlns:a16="http://schemas.microsoft.com/office/drawing/2014/main" id="{5F27BDAF-EE6E-C058-0FD2-562828F3910B}"/>
               </a:ext>
             </a:extLst>
           </p:cNvPr>
@@ -580,7 +580,7 @@
           <p:cNvPr id="3" name="竖排文字占位符 2">
             <a:extLst>
               <a:ext uri="{FF2B5EF4-FFF2-40B4-BE49-F238E27FC236}">
-                <a16:creationId xmlns:a16="http://schemas.microsoft.com/office/drawing/2014/main" id="{89826575-24C0-BE63-56E5-D38D4859F3E1}"/>
+                <a16:creationId xmlns:a16="http://schemas.microsoft.com/office/drawing/2014/main" id="{2112EFE1-41C1-3659-5902-2876C272482C}"/>
               </a:ext>
             </a:extLst>
           </p:cNvPr>
@@ -642,7 +642,7 @@
           <p:cNvPr id="4" name="日期占位符 3">
             <a:extLst>
               <a:ext uri="{FF2B5EF4-FFF2-40B4-BE49-F238E27FC236}">
-                <a16:creationId xmlns:a16="http://schemas.microsoft.com/office/drawing/2014/main" id="{AAB69EB4-5F5A-DD56-BDAE-C2DAECA2BD56}"/>
+                <a16:creationId xmlns:a16="http://schemas.microsoft.com/office/drawing/2014/main" id="{D3E33D26-8987-5E7A-9888-33651B33DD89}"/>
               </a:ext>
             </a:extLst>
           </p:cNvPr>
@@ -658,7 +658,7 @@
           <a:bodyPr/>
           <a:lstStyle/>
           <a:p>
-            <a:fld id="{80515C46-47E4-453F-A723-13E5B03BA35D}" type="datetimeFigureOut">
+            <a:fld id="{D2556E46-BA6E-43D8-B233-0D5DAEF78CBA}" type="datetimeFigureOut">
               <a:rPr lang="zh-CN" altLang="en-US" smtClean="0"/>
               <a:t>2024/3/10</a:t>
             </a:fld>
@@ -671,7 +671,7 @@
           <p:cNvPr id="5" name="页脚占位符 4">
             <a:extLst>
               <a:ext uri="{FF2B5EF4-FFF2-40B4-BE49-F238E27FC236}">
-                <a16:creationId xmlns:a16="http://schemas.microsoft.com/office/drawing/2014/main" id="{F4127F38-3C6F-7BCE-40FC-89D6546F56F0}"/>
+                <a16:creationId xmlns:a16="http://schemas.microsoft.com/office/drawing/2014/main" id="{C285F5B5-7F32-C553-A6B6-CCC9051E11C2}"/>
               </a:ext>
             </a:extLst>
           </p:cNvPr>
@@ -696,7 +696,7 @@
           <p:cNvPr id="6" name="灯片编号占位符 5">
             <a:extLst>
               <a:ext uri="{FF2B5EF4-FFF2-40B4-BE49-F238E27FC236}">
-                <a16:creationId xmlns:a16="http://schemas.microsoft.com/office/drawing/2014/main" id="{FE2BCAF4-E34D-0C03-0EBC-C743FFCAE8A1}"/>
+                <a16:creationId xmlns:a16="http://schemas.microsoft.com/office/drawing/2014/main" id="{66315BA9-0E34-14D7-45C7-3D40F7E280A0}"/>
               </a:ext>
             </a:extLst>
           </p:cNvPr>
@@ -712,7 +712,7 @@
           <a:bodyPr/>
           <a:lstStyle/>
           <a:p>
-            <a:fld id="{720E33EE-3795-4EB6-B4FD-6662FD8F796F}" type="slidenum">
+            <a:fld id="{B73C33F9-7D4E-4987-8719-C2D3CB22C427}" type="slidenum">
               <a:rPr lang="zh-CN" altLang="en-US" smtClean="0"/>
               <a:t>‹#›</a:t>
             </a:fld>
@@ -723,7 +723,7 @@
     </p:spTree>
     <p:extLst>
       <p:ext uri="{BB962C8B-B14F-4D97-AF65-F5344CB8AC3E}">
-        <p14:creationId xmlns:p14="http://schemas.microsoft.com/office/powerpoint/2010/main" val="2651787184"/>
+        <p14:creationId xmlns:p14="http://schemas.microsoft.com/office/powerpoint/2010/main" val="3277572004"/>
       </p:ext>
     </p:extLst>
   </p:cSld>
@@ -755,7 +755,7 @@
           <p:cNvPr id="2" name="标题 1">
             <a:extLst>
               <a:ext uri="{FF2B5EF4-FFF2-40B4-BE49-F238E27FC236}">
-                <a16:creationId xmlns:a16="http://schemas.microsoft.com/office/drawing/2014/main" id="{7520454D-6AB3-C6B6-9964-94315A4DB53B}"/>
+                <a16:creationId xmlns:a16="http://schemas.microsoft.com/office/drawing/2014/main" id="{4BEF884B-2094-BE5A-0524-76D7713672AE}"/>
               </a:ext>
             </a:extLst>
           </p:cNvPr>
@@ -783,7 +783,7 @@
           <p:cNvPr id="3" name="内容占位符 2">
             <a:extLst>
               <a:ext uri="{FF2B5EF4-FFF2-40B4-BE49-F238E27FC236}">
-                <a16:creationId xmlns:a16="http://schemas.microsoft.com/office/drawing/2014/main" id="{53E63E4C-0949-C0E4-DE2B-5F6A03919BAB}"/>
+                <a16:creationId xmlns:a16="http://schemas.microsoft.com/office/drawing/2014/main" id="{770DF525-F3D0-9118-688B-7D48AE685612}"/>
               </a:ext>
             </a:extLst>
           </p:cNvPr>
@@ -840,7 +840,7 @@
           <p:cNvPr id="4" name="日期占位符 3">
             <a:extLst>
               <a:ext uri="{FF2B5EF4-FFF2-40B4-BE49-F238E27FC236}">
-                <a16:creationId xmlns:a16="http://schemas.microsoft.com/office/drawing/2014/main" id="{F8A715A0-3964-7496-468E-E9B63B112449}"/>
+                <a16:creationId xmlns:a16="http://schemas.microsoft.com/office/drawing/2014/main" id="{CD7DE38A-B550-C685-DEFE-2761EAC2A52C}"/>
               </a:ext>
             </a:extLst>
           </p:cNvPr>
@@ -856,7 +856,7 @@
           <a:bodyPr/>
           <a:lstStyle/>
           <a:p>
-            <a:fld id="{80515C46-47E4-453F-A723-13E5B03BA35D}" type="datetimeFigureOut">
+            <a:fld id="{D2556E46-BA6E-43D8-B233-0D5DAEF78CBA}" type="datetimeFigureOut">
               <a:rPr lang="zh-CN" altLang="en-US" smtClean="0"/>
               <a:t>2024/3/10</a:t>
             </a:fld>
@@ -869,7 +869,7 @@
           <p:cNvPr id="5" name="页脚占位符 4">
             <a:extLst>
               <a:ext uri="{FF2B5EF4-FFF2-40B4-BE49-F238E27FC236}">
-                <a16:creationId xmlns:a16="http://schemas.microsoft.com/office/drawing/2014/main" id="{795C0A19-CA2E-50D3-C5AB-04EE0F1AF570}"/>
+                <a16:creationId xmlns:a16="http://schemas.microsoft.com/office/drawing/2014/main" id="{4C64C7B8-FB70-45BE-9245-2DB2684FBC2F}"/>
               </a:ext>
             </a:extLst>
           </p:cNvPr>
@@ -894,7 +894,7 @@
           <p:cNvPr id="6" name="灯片编号占位符 5">
             <a:extLst>
               <a:ext uri="{FF2B5EF4-FFF2-40B4-BE49-F238E27FC236}">
-                <a16:creationId xmlns:a16="http://schemas.microsoft.com/office/drawing/2014/main" id="{DCF063DC-CD1C-9742-5318-BA6F8247FF55}"/>
+                <a16:creationId xmlns:a16="http://schemas.microsoft.com/office/drawing/2014/main" id="{61251EEA-9AED-DF84-9A74-729CB4456F38}"/>
               </a:ext>
             </a:extLst>
           </p:cNvPr>
@@ -910,7 +910,7 @@
           <a:bodyPr/>
           <a:lstStyle/>
           <a:p>
-            <a:fld id="{720E33EE-3795-4EB6-B4FD-6662FD8F796F}" type="slidenum">
+            <a:fld id="{B73C33F9-7D4E-4987-8719-C2D3CB22C427}" type="slidenum">
               <a:rPr lang="zh-CN" altLang="en-US" smtClean="0"/>
               <a:t>‹#›</a:t>
             </a:fld>
@@ -921,7 +921,7 @@
     </p:spTree>
     <p:extLst>
       <p:ext uri="{BB962C8B-B14F-4D97-AF65-F5344CB8AC3E}">
-        <p14:creationId xmlns:p14="http://schemas.microsoft.com/office/powerpoint/2010/main" val="1450931217"/>
+        <p14:creationId xmlns:p14="http://schemas.microsoft.com/office/powerpoint/2010/main" val="1019437608"/>
       </p:ext>
     </p:extLst>
   </p:cSld>
@@ -953,7 +953,7 @@
           <p:cNvPr id="2" name="标题 1">
             <a:extLst>
               <a:ext uri="{FF2B5EF4-FFF2-40B4-BE49-F238E27FC236}">
-                <a16:creationId xmlns:a16="http://schemas.microsoft.com/office/drawing/2014/main" id="{01F3C48C-E642-99D4-5935-CABB612F3C78}"/>
+                <a16:creationId xmlns:a16="http://schemas.microsoft.com/office/drawing/2014/main" id="{E33D7DA6-E638-B226-11D1-4BB38C8734CF}"/>
               </a:ext>
             </a:extLst>
           </p:cNvPr>
@@ -990,7 +990,7 @@
           <p:cNvPr id="3" name="文本占位符 2">
             <a:extLst>
               <a:ext uri="{FF2B5EF4-FFF2-40B4-BE49-F238E27FC236}">
-                <a16:creationId xmlns:a16="http://schemas.microsoft.com/office/drawing/2014/main" id="{0A4217FD-A691-1639-444F-35675027209E}"/>
+                <a16:creationId xmlns:a16="http://schemas.microsoft.com/office/drawing/2014/main" id="{6278257B-3C2D-2329-A0C0-A2798094ED7F}"/>
               </a:ext>
             </a:extLst>
           </p:cNvPr>
@@ -1115,7 +1115,7 @@
           <p:cNvPr id="4" name="日期占位符 3">
             <a:extLst>
               <a:ext uri="{FF2B5EF4-FFF2-40B4-BE49-F238E27FC236}">
-                <a16:creationId xmlns:a16="http://schemas.microsoft.com/office/drawing/2014/main" id="{6E2690C3-7CFD-E7AD-F45C-44362FE521AA}"/>
+                <a16:creationId xmlns:a16="http://schemas.microsoft.com/office/drawing/2014/main" id="{14E005AD-C91A-9CDB-AC2B-70F2D31E8605}"/>
               </a:ext>
             </a:extLst>
           </p:cNvPr>
@@ -1131,7 +1131,7 @@
           <a:bodyPr/>
           <a:lstStyle/>
           <a:p>
-            <a:fld id="{80515C46-47E4-453F-A723-13E5B03BA35D}" type="datetimeFigureOut">
+            <a:fld id="{D2556E46-BA6E-43D8-B233-0D5DAEF78CBA}" type="datetimeFigureOut">
               <a:rPr lang="zh-CN" altLang="en-US" smtClean="0"/>
               <a:t>2024/3/10</a:t>
             </a:fld>
@@ -1144,7 +1144,7 @@
           <p:cNvPr id="5" name="页脚占位符 4">
             <a:extLst>
               <a:ext uri="{FF2B5EF4-FFF2-40B4-BE49-F238E27FC236}">
-                <a16:creationId xmlns:a16="http://schemas.microsoft.com/office/drawing/2014/main" id="{4E3D11D0-87C0-68C8-A92A-4E0416DB8CC7}"/>
+                <a16:creationId xmlns:a16="http://schemas.microsoft.com/office/drawing/2014/main" id="{290D3FCB-BA53-62B4-955E-7890F8CC7ADE}"/>
               </a:ext>
             </a:extLst>
           </p:cNvPr>
@@ -1169,7 +1169,7 @@
           <p:cNvPr id="6" name="灯片编号占位符 5">
             <a:extLst>
               <a:ext uri="{FF2B5EF4-FFF2-40B4-BE49-F238E27FC236}">
-                <a16:creationId xmlns:a16="http://schemas.microsoft.com/office/drawing/2014/main" id="{77AD91CF-D563-5C70-9C7E-52B8112A9A9D}"/>
+                <a16:creationId xmlns:a16="http://schemas.microsoft.com/office/drawing/2014/main" id="{1D3D31B6-0D80-4BD8-96B9-E2D8F967FFB5}"/>
               </a:ext>
             </a:extLst>
           </p:cNvPr>
@@ -1185,7 +1185,7 @@
           <a:bodyPr/>
           <a:lstStyle/>
           <a:p>
-            <a:fld id="{720E33EE-3795-4EB6-B4FD-6662FD8F796F}" type="slidenum">
+            <a:fld id="{B73C33F9-7D4E-4987-8719-C2D3CB22C427}" type="slidenum">
               <a:rPr lang="zh-CN" altLang="en-US" smtClean="0"/>
               <a:t>‹#›</a:t>
             </a:fld>
@@ -1196,7 +1196,7 @@
     </p:spTree>
     <p:extLst>
       <p:ext uri="{BB962C8B-B14F-4D97-AF65-F5344CB8AC3E}">
-        <p14:creationId xmlns:p14="http://schemas.microsoft.com/office/powerpoint/2010/main" val="361952175"/>
+        <p14:creationId xmlns:p14="http://schemas.microsoft.com/office/powerpoint/2010/main" val="732554760"/>
       </p:ext>
     </p:extLst>
   </p:cSld>
@@ -1228,7 +1228,7 @@
           <p:cNvPr id="2" name="标题 1">
             <a:extLst>
               <a:ext uri="{FF2B5EF4-FFF2-40B4-BE49-F238E27FC236}">
-                <a16:creationId xmlns:a16="http://schemas.microsoft.com/office/drawing/2014/main" id="{DBC7EAC2-10FA-0C2C-CD03-2AE4AFC3717A}"/>
+                <a16:creationId xmlns:a16="http://schemas.microsoft.com/office/drawing/2014/main" id="{8CE1B1E7-CBAF-F409-E340-2266DA2D05BA}"/>
               </a:ext>
             </a:extLst>
           </p:cNvPr>
@@ -1256,7 +1256,7 @@
           <p:cNvPr id="3" name="内容占位符 2">
             <a:extLst>
               <a:ext uri="{FF2B5EF4-FFF2-40B4-BE49-F238E27FC236}">
-                <a16:creationId xmlns:a16="http://schemas.microsoft.com/office/drawing/2014/main" id="{C3FCCD56-3D1B-0037-98A6-A3122D3E18FC}"/>
+                <a16:creationId xmlns:a16="http://schemas.microsoft.com/office/drawing/2014/main" id="{D0BA1730-0ED7-82A2-8C3E-EA5498DCC945}"/>
               </a:ext>
             </a:extLst>
           </p:cNvPr>
@@ -1318,7 +1318,7 @@
           <p:cNvPr id="4" name="内容占位符 3">
             <a:extLst>
               <a:ext uri="{FF2B5EF4-FFF2-40B4-BE49-F238E27FC236}">
-                <a16:creationId xmlns:a16="http://schemas.microsoft.com/office/drawing/2014/main" id="{CC5056F3-2C76-5507-215F-49C0413AA7B6}"/>
+                <a16:creationId xmlns:a16="http://schemas.microsoft.com/office/drawing/2014/main" id="{07B836C4-DC98-D92F-3A40-D8AE2E84868D}"/>
               </a:ext>
             </a:extLst>
           </p:cNvPr>
@@ -1380,7 +1380,7 @@
           <p:cNvPr id="5" name="日期占位符 4">
             <a:extLst>
               <a:ext uri="{FF2B5EF4-FFF2-40B4-BE49-F238E27FC236}">
-                <a16:creationId xmlns:a16="http://schemas.microsoft.com/office/drawing/2014/main" id="{A8037A45-6179-FF7B-7023-F2C95D0322B9}"/>
+                <a16:creationId xmlns:a16="http://schemas.microsoft.com/office/drawing/2014/main" id="{698779D3-F1DF-D3A6-D430-3298E28CBB37}"/>
               </a:ext>
             </a:extLst>
           </p:cNvPr>
@@ -1396,7 +1396,7 @@
           <a:bodyPr/>
           <a:lstStyle/>
           <a:p>
-            <a:fld id="{80515C46-47E4-453F-A723-13E5B03BA35D}" type="datetimeFigureOut">
+            <a:fld id="{D2556E46-BA6E-43D8-B233-0D5DAEF78CBA}" type="datetimeFigureOut">
               <a:rPr lang="zh-CN" altLang="en-US" smtClean="0"/>
               <a:t>2024/3/10</a:t>
             </a:fld>
@@ -1409,7 +1409,7 @@
           <p:cNvPr id="6" name="页脚占位符 5">
             <a:extLst>
               <a:ext uri="{FF2B5EF4-FFF2-40B4-BE49-F238E27FC236}">
-                <a16:creationId xmlns:a16="http://schemas.microsoft.com/office/drawing/2014/main" id="{D1A1DAE6-4B79-1EDF-BD6A-F73174506D01}"/>
+                <a16:creationId xmlns:a16="http://schemas.microsoft.com/office/drawing/2014/main" id="{68C6438F-51AD-D85B-6C1D-D16CD90711F8}"/>
               </a:ext>
             </a:extLst>
           </p:cNvPr>
@@ -1434,7 +1434,7 @@
           <p:cNvPr id="7" name="灯片编号占位符 6">
             <a:extLst>
               <a:ext uri="{FF2B5EF4-FFF2-40B4-BE49-F238E27FC236}">
-                <a16:creationId xmlns:a16="http://schemas.microsoft.com/office/drawing/2014/main" id="{3D666E98-0C01-3527-26D6-379CD2B0B42B}"/>
+                <a16:creationId xmlns:a16="http://schemas.microsoft.com/office/drawing/2014/main" id="{E1C0BC82-343E-130A-C860-C1F370583F3D}"/>
               </a:ext>
             </a:extLst>
           </p:cNvPr>
@@ -1450,7 +1450,7 @@
           <a:bodyPr/>
           <a:lstStyle/>
           <a:p>
-            <a:fld id="{720E33EE-3795-4EB6-B4FD-6662FD8F796F}" type="slidenum">
+            <a:fld id="{B73C33F9-7D4E-4987-8719-C2D3CB22C427}" type="slidenum">
               <a:rPr lang="zh-CN" altLang="en-US" smtClean="0"/>
               <a:t>‹#›</a:t>
             </a:fld>
@@ -1461,7 +1461,7 @@
     </p:spTree>
     <p:extLst>
       <p:ext uri="{BB962C8B-B14F-4D97-AF65-F5344CB8AC3E}">
-        <p14:creationId xmlns:p14="http://schemas.microsoft.com/office/powerpoint/2010/main" val="3774052107"/>
+        <p14:creationId xmlns:p14="http://schemas.microsoft.com/office/powerpoint/2010/main" val="416979343"/>
       </p:ext>
     </p:extLst>
   </p:cSld>
@@ -1493,7 +1493,7 @@
           <p:cNvPr id="2" name="标题 1">
             <a:extLst>
               <a:ext uri="{FF2B5EF4-FFF2-40B4-BE49-F238E27FC236}">
-                <a16:creationId xmlns:a16="http://schemas.microsoft.com/office/drawing/2014/main" id="{4E715E2D-0981-BA5C-FCB1-BB0F1BBECC7E}"/>
+                <a16:creationId xmlns:a16="http://schemas.microsoft.com/office/drawing/2014/main" id="{87D00F04-56C6-E4C0-F5CA-F96C263E0F1D}"/>
               </a:ext>
             </a:extLst>
           </p:cNvPr>
@@ -1526,7 +1526,7 @@
           <p:cNvPr id="3" name="文本占位符 2">
             <a:extLst>
               <a:ext uri="{FF2B5EF4-FFF2-40B4-BE49-F238E27FC236}">
-                <a16:creationId xmlns:a16="http://schemas.microsoft.com/office/drawing/2014/main" id="{B99A326E-67DC-5872-8207-879E8F554844}"/>
+                <a16:creationId xmlns:a16="http://schemas.microsoft.com/office/drawing/2014/main" id="{6C804FAF-C361-4B2D-33E7-D5F6692AF665}"/>
               </a:ext>
             </a:extLst>
           </p:cNvPr>
@@ -1597,7 +1597,7 @@
           <p:cNvPr id="4" name="内容占位符 3">
             <a:extLst>
               <a:ext uri="{FF2B5EF4-FFF2-40B4-BE49-F238E27FC236}">
-                <a16:creationId xmlns:a16="http://schemas.microsoft.com/office/drawing/2014/main" id="{9FA2102B-3D0A-F18F-3466-C34834DBA163}"/>
+                <a16:creationId xmlns:a16="http://schemas.microsoft.com/office/drawing/2014/main" id="{FFF6999F-44C7-33FF-6BE5-6E8C2D06CF6A}"/>
               </a:ext>
             </a:extLst>
           </p:cNvPr>
@@ -1659,7 +1659,7 @@
           <p:cNvPr id="5" name="文本占位符 4">
             <a:extLst>
               <a:ext uri="{FF2B5EF4-FFF2-40B4-BE49-F238E27FC236}">
-                <a16:creationId xmlns:a16="http://schemas.microsoft.com/office/drawing/2014/main" id="{B3A5D3E9-C9D8-B98B-AD6C-CAE0F463E6A2}"/>
+                <a16:creationId xmlns:a16="http://schemas.microsoft.com/office/drawing/2014/main" id="{9799674D-DBEE-3E86-C3D5-B45C92ADF0FD}"/>
               </a:ext>
             </a:extLst>
           </p:cNvPr>
@@ -1730,7 +1730,7 @@
           <p:cNvPr id="6" name="内容占位符 5">
             <a:extLst>
               <a:ext uri="{FF2B5EF4-FFF2-40B4-BE49-F238E27FC236}">
-                <a16:creationId xmlns:a16="http://schemas.microsoft.com/office/drawing/2014/main" id="{88F22F67-9A11-518C-55EA-C7956A22C437}"/>
+                <a16:creationId xmlns:a16="http://schemas.microsoft.com/office/drawing/2014/main" id="{C2FB6FD7-382E-85B3-1D31-78BF23B392C8}"/>
               </a:ext>
             </a:extLst>
           </p:cNvPr>
@@ -1792,7 +1792,7 @@
           <p:cNvPr id="7" name="日期占位符 6">
             <a:extLst>
               <a:ext uri="{FF2B5EF4-FFF2-40B4-BE49-F238E27FC236}">
-                <a16:creationId xmlns:a16="http://schemas.microsoft.com/office/drawing/2014/main" id="{DA0E49B6-B24F-10DB-2D76-A8586B5D76B7}"/>
+                <a16:creationId xmlns:a16="http://schemas.microsoft.com/office/drawing/2014/main" id="{5F61F394-5BD9-D3A1-55C5-15AA16AAF6EA}"/>
               </a:ext>
             </a:extLst>
           </p:cNvPr>
@@ -1808,7 +1808,7 @@
           <a:bodyPr/>
           <a:lstStyle/>
           <a:p>
-            <a:fld id="{80515C46-47E4-453F-A723-13E5B03BA35D}" type="datetimeFigureOut">
+            <a:fld id="{D2556E46-BA6E-43D8-B233-0D5DAEF78CBA}" type="datetimeFigureOut">
               <a:rPr lang="zh-CN" altLang="en-US" smtClean="0"/>
               <a:t>2024/3/10</a:t>
             </a:fld>
@@ -1821,7 +1821,7 @@
           <p:cNvPr id="8" name="页脚占位符 7">
             <a:extLst>
               <a:ext uri="{FF2B5EF4-FFF2-40B4-BE49-F238E27FC236}">
-                <a16:creationId xmlns:a16="http://schemas.microsoft.com/office/drawing/2014/main" id="{59807AD1-8A2C-560C-6937-8FC0ACCCAAC0}"/>
+                <a16:creationId xmlns:a16="http://schemas.microsoft.com/office/drawing/2014/main" id="{C9CE98F7-EFDE-79D7-7569-BF35E038EEC0}"/>
               </a:ext>
             </a:extLst>
           </p:cNvPr>
@@ -1846,7 +1846,7 @@
           <p:cNvPr id="9" name="灯片编号占位符 8">
             <a:extLst>
               <a:ext uri="{FF2B5EF4-FFF2-40B4-BE49-F238E27FC236}">
-                <a16:creationId xmlns:a16="http://schemas.microsoft.com/office/drawing/2014/main" id="{37DBA1F7-59FA-E37A-9FB2-753248B2F4A6}"/>
+                <a16:creationId xmlns:a16="http://schemas.microsoft.com/office/drawing/2014/main" id="{FE0105DF-3237-0974-B10F-E847B1800241}"/>
               </a:ext>
             </a:extLst>
           </p:cNvPr>
@@ -1862,7 +1862,7 @@
           <a:bodyPr/>
           <a:lstStyle/>
           <a:p>
-            <a:fld id="{720E33EE-3795-4EB6-B4FD-6662FD8F796F}" type="slidenum">
+            <a:fld id="{B73C33F9-7D4E-4987-8719-C2D3CB22C427}" type="slidenum">
               <a:rPr lang="zh-CN" altLang="en-US" smtClean="0"/>
               <a:t>‹#›</a:t>
             </a:fld>
@@ -1873,7 +1873,7 @@
     </p:spTree>
     <p:extLst>
       <p:ext uri="{BB962C8B-B14F-4D97-AF65-F5344CB8AC3E}">
-        <p14:creationId xmlns:p14="http://schemas.microsoft.com/office/powerpoint/2010/main" val="4251859564"/>
+        <p14:creationId xmlns:p14="http://schemas.microsoft.com/office/powerpoint/2010/main" val="3254493137"/>
       </p:ext>
     </p:extLst>
   </p:cSld>
@@ -1905,7 +1905,7 @@
           <p:cNvPr id="2" name="标题 1">
             <a:extLst>
               <a:ext uri="{FF2B5EF4-FFF2-40B4-BE49-F238E27FC236}">
-                <a16:creationId xmlns:a16="http://schemas.microsoft.com/office/drawing/2014/main" id="{B6E4B9EB-8950-31F2-893D-3D7A0066561B}"/>
+                <a16:creationId xmlns:a16="http://schemas.microsoft.com/office/drawing/2014/main" id="{F4428699-6B02-B0F5-5FF9-30796073B76C}"/>
               </a:ext>
             </a:extLst>
           </p:cNvPr>
@@ -1933,7 +1933,7 @@
           <p:cNvPr id="3" name="日期占位符 2">
             <a:extLst>
               <a:ext uri="{FF2B5EF4-FFF2-40B4-BE49-F238E27FC236}">
-                <a16:creationId xmlns:a16="http://schemas.microsoft.com/office/drawing/2014/main" id="{DA084304-DDE3-631C-ADE6-1646C80FC72D}"/>
+                <a16:creationId xmlns:a16="http://schemas.microsoft.com/office/drawing/2014/main" id="{F8D313D4-CB2C-2285-4CCA-FFF3E2D31BCB}"/>
               </a:ext>
             </a:extLst>
           </p:cNvPr>
@@ -1949,7 +1949,7 @@
           <a:bodyPr/>
           <a:lstStyle/>
           <a:p>
-            <a:fld id="{80515C46-47E4-453F-A723-13E5B03BA35D}" type="datetimeFigureOut">
+            <a:fld id="{D2556E46-BA6E-43D8-B233-0D5DAEF78CBA}" type="datetimeFigureOut">
               <a:rPr lang="zh-CN" altLang="en-US" smtClean="0"/>
               <a:t>2024/3/10</a:t>
             </a:fld>
@@ -1962,7 +1962,7 @@
           <p:cNvPr id="4" name="页脚占位符 3">
             <a:extLst>
               <a:ext uri="{FF2B5EF4-FFF2-40B4-BE49-F238E27FC236}">
-                <a16:creationId xmlns:a16="http://schemas.microsoft.com/office/drawing/2014/main" id="{9B1DF273-7664-69E0-E04B-7391880705B7}"/>
+                <a16:creationId xmlns:a16="http://schemas.microsoft.com/office/drawing/2014/main" id="{34D20558-F846-773A-BA23-1CAE99515C01}"/>
               </a:ext>
             </a:extLst>
           </p:cNvPr>
@@ -1987,7 +1987,7 @@
           <p:cNvPr id="5" name="灯片编号占位符 4">
             <a:extLst>
               <a:ext uri="{FF2B5EF4-FFF2-40B4-BE49-F238E27FC236}">
-                <a16:creationId xmlns:a16="http://schemas.microsoft.com/office/drawing/2014/main" id="{FB809124-3FD1-23F3-AF72-EF61D99C9854}"/>
+                <a16:creationId xmlns:a16="http://schemas.microsoft.com/office/drawing/2014/main" id="{8964413A-BAAA-EAB2-424C-EFEFB5BA15E1}"/>
               </a:ext>
             </a:extLst>
           </p:cNvPr>
@@ -2003,7 +2003,7 @@
           <a:bodyPr/>
           <a:lstStyle/>
           <a:p>
-            <a:fld id="{720E33EE-3795-4EB6-B4FD-6662FD8F796F}" type="slidenum">
+            <a:fld id="{B73C33F9-7D4E-4987-8719-C2D3CB22C427}" type="slidenum">
               <a:rPr lang="zh-CN" altLang="en-US" smtClean="0"/>
               <a:t>‹#›</a:t>
             </a:fld>
@@ -2014,7 +2014,7 @@
     </p:spTree>
     <p:extLst>
       <p:ext uri="{BB962C8B-B14F-4D97-AF65-F5344CB8AC3E}">
-        <p14:creationId xmlns:p14="http://schemas.microsoft.com/office/powerpoint/2010/main" val="3311804662"/>
+        <p14:creationId xmlns:p14="http://schemas.microsoft.com/office/powerpoint/2010/main" val="2097086251"/>
       </p:ext>
     </p:extLst>
   </p:cSld>
@@ -2046,7 +2046,7 @@
           <p:cNvPr id="2" name="日期占位符 1">
             <a:extLst>
               <a:ext uri="{FF2B5EF4-FFF2-40B4-BE49-F238E27FC236}">
-                <a16:creationId xmlns:a16="http://schemas.microsoft.com/office/drawing/2014/main" id="{D613EB7B-80DD-B891-5647-A10B39E5DAEE}"/>
+                <a16:creationId xmlns:a16="http://schemas.microsoft.com/office/drawing/2014/main" id="{CA516636-0C0D-FA80-0FEA-0483BF186D71}"/>
               </a:ext>
             </a:extLst>
           </p:cNvPr>
@@ -2062,7 +2062,7 @@
           <a:bodyPr/>
           <a:lstStyle/>
           <a:p>
-            <a:fld id="{80515C46-47E4-453F-A723-13E5B03BA35D}" type="datetimeFigureOut">
+            <a:fld id="{D2556E46-BA6E-43D8-B233-0D5DAEF78CBA}" type="datetimeFigureOut">
               <a:rPr lang="zh-CN" altLang="en-US" smtClean="0"/>
               <a:t>2024/3/10</a:t>
             </a:fld>
@@ -2075,7 +2075,7 @@
           <p:cNvPr id="3" name="页脚占位符 2">
             <a:extLst>
               <a:ext uri="{FF2B5EF4-FFF2-40B4-BE49-F238E27FC236}">
-                <a16:creationId xmlns:a16="http://schemas.microsoft.com/office/drawing/2014/main" id="{D09543F8-9C4C-9467-CAED-0C823DE5AD84}"/>
+                <a16:creationId xmlns:a16="http://schemas.microsoft.com/office/drawing/2014/main" id="{43EC451D-2505-C17A-AB6A-189046386078}"/>
               </a:ext>
             </a:extLst>
           </p:cNvPr>
@@ -2100,7 +2100,7 @@
           <p:cNvPr id="4" name="灯片编号占位符 3">
             <a:extLst>
               <a:ext uri="{FF2B5EF4-FFF2-40B4-BE49-F238E27FC236}">
-                <a16:creationId xmlns:a16="http://schemas.microsoft.com/office/drawing/2014/main" id="{9B0AA34C-A70E-9EEE-2966-B70A1646B400}"/>
+                <a16:creationId xmlns:a16="http://schemas.microsoft.com/office/drawing/2014/main" id="{9ECD9DBE-5AEF-4D35-05E4-6C5B7E542B65}"/>
               </a:ext>
             </a:extLst>
           </p:cNvPr>
@@ -2116,7 +2116,7 @@
           <a:bodyPr/>
           <a:lstStyle/>
           <a:p>
-            <a:fld id="{720E33EE-3795-4EB6-B4FD-6662FD8F796F}" type="slidenum">
+            <a:fld id="{B73C33F9-7D4E-4987-8719-C2D3CB22C427}" type="slidenum">
               <a:rPr lang="zh-CN" altLang="en-US" smtClean="0"/>
               <a:t>‹#›</a:t>
             </a:fld>
@@ -2127,7 +2127,7 @@
     </p:spTree>
     <p:extLst>
       <p:ext uri="{BB962C8B-B14F-4D97-AF65-F5344CB8AC3E}">
-        <p14:creationId xmlns:p14="http://schemas.microsoft.com/office/powerpoint/2010/main" val="3658812769"/>
+        <p14:creationId xmlns:p14="http://schemas.microsoft.com/office/powerpoint/2010/main" val="2445572905"/>
       </p:ext>
     </p:extLst>
   </p:cSld>
@@ -2159,7 +2159,7 @@
           <p:cNvPr id="2" name="标题 1">
             <a:extLst>
               <a:ext uri="{FF2B5EF4-FFF2-40B4-BE49-F238E27FC236}">
-                <a16:creationId xmlns:a16="http://schemas.microsoft.com/office/drawing/2014/main" id="{5CB0D441-D25E-D359-0257-CF427887CCD3}"/>
+                <a16:creationId xmlns:a16="http://schemas.microsoft.com/office/drawing/2014/main" id="{440A7005-5D1E-DB1F-3A86-435F7FD3F444}"/>
               </a:ext>
             </a:extLst>
           </p:cNvPr>
@@ -2196,7 +2196,7 @@
           <p:cNvPr id="3" name="内容占位符 2">
             <a:extLst>
               <a:ext uri="{FF2B5EF4-FFF2-40B4-BE49-F238E27FC236}">
-                <a16:creationId xmlns:a16="http://schemas.microsoft.com/office/drawing/2014/main" id="{6F9A7642-30B2-0540-3D8E-16EC5466864C}"/>
+                <a16:creationId xmlns:a16="http://schemas.microsoft.com/office/drawing/2014/main" id="{D5AD6EA9-44CD-5E73-E759-19953E751267}"/>
               </a:ext>
             </a:extLst>
           </p:cNvPr>
@@ -2286,7 +2286,7 @@
           <p:cNvPr id="4" name="文本占位符 3">
             <a:extLst>
               <a:ext uri="{FF2B5EF4-FFF2-40B4-BE49-F238E27FC236}">
-                <a16:creationId xmlns:a16="http://schemas.microsoft.com/office/drawing/2014/main" id="{57349D25-789D-6AE9-2752-5628F1F2FE12}"/>
+                <a16:creationId xmlns:a16="http://schemas.microsoft.com/office/drawing/2014/main" id="{F9259190-2284-8E7D-5579-4BAC05A783ED}"/>
               </a:ext>
             </a:extLst>
           </p:cNvPr>
@@ -2357,7 +2357,7 @@
           <p:cNvPr id="5" name="日期占位符 4">
             <a:extLst>
               <a:ext uri="{FF2B5EF4-FFF2-40B4-BE49-F238E27FC236}">
-                <a16:creationId xmlns:a16="http://schemas.microsoft.com/office/drawing/2014/main" id="{D047A32E-FB84-CE77-FA5D-E02D9BBBB1BF}"/>
+                <a16:creationId xmlns:a16="http://schemas.microsoft.com/office/drawing/2014/main" id="{C11ADEF4-F549-78C4-2C04-47F269055CC3}"/>
               </a:ext>
             </a:extLst>
           </p:cNvPr>
@@ -2373,7 +2373,7 @@
           <a:bodyPr/>
           <a:lstStyle/>
           <a:p>
-            <a:fld id="{80515C46-47E4-453F-A723-13E5B03BA35D}" type="datetimeFigureOut">
+            <a:fld id="{D2556E46-BA6E-43D8-B233-0D5DAEF78CBA}" type="datetimeFigureOut">
               <a:rPr lang="zh-CN" altLang="en-US" smtClean="0"/>
               <a:t>2024/3/10</a:t>
             </a:fld>
@@ -2386,7 +2386,7 @@
           <p:cNvPr id="6" name="页脚占位符 5">
             <a:extLst>
               <a:ext uri="{FF2B5EF4-FFF2-40B4-BE49-F238E27FC236}">
-                <a16:creationId xmlns:a16="http://schemas.microsoft.com/office/drawing/2014/main" id="{D0B92AC0-95A4-9CA9-D275-4F667D20D6EE}"/>
+                <a16:creationId xmlns:a16="http://schemas.microsoft.com/office/drawing/2014/main" id="{AFEA9EB4-C0C4-4A7B-09A0-43DF5164980D}"/>
               </a:ext>
             </a:extLst>
           </p:cNvPr>
@@ -2411,7 +2411,7 @@
           <p:cNvPr id="7" name="灯片编号占位符 6">
             <a:extLst>
               <a:ext uri="{FF2B5EF4-FFF2-40B4-BE49-F238E27FC236}">
-                <a16:creationId xmlns:a16="http://schemas.microsoft.com/office/drawing/2014/main" id="{C7E8418E-3E7B-F2CA-AE6B-A741227169B0}"/>
+                <a16:creationId xmlns:a16="http://schemas.microsoft.com/office/drawing/2014/main" id="{6BD2702C-BC7F-4357-E951-1F9815EBB567}"/>
               </a:ext>
             </a:extLst>
           </p:cNvPr>
@@ -2427,7 +2427,7 @@
           <a:bodyPr/>
           <a:lstStyle/>
           <a:p>
-            <a:fld id="{720E33EE-3795-4EB6-B4FD-6662FD8F796F}" type="slidenum">
+            <a:fld id="{B73C33F9-7D4E-4987-8719-C2D3CB22C427}" type="slidenum">
               <a:rPr lang="zh-CN" altLang="en-US" smtClean="0"/>
               <a:t>‹#›</a:t>
             </a:fld>
@@ -2438,7 +2438,7 @@
     </p:spTree>
     <p:extLst>
       <p:ext uri="{BB962C8B-B14F-4D97-AF65-F5344CB8AC3E}">
-        <p14:creationId xmlns:p14="http://schemas.microsoft.com/office/powerpoint/2010/main" val="2469114706"/>
+        <p14:creationId xmlns:p14="http://schemas.microsoft.com/office/powerpoint/2010/main" val="1552331155"/>
       </p:ext>
     </p:extLst>
   </p:cSld>
@@ -2470,7 +2470,7 @@
           <p:cNvPr id="2" name="标题 1">
             <a:extLst>
               <a:ext uri="{FF2B5EF4-FFF2-40B4-BE49-F238E27FC236}">
-                <a16:creationId xmlns:a16="http://schemas.microsoft.com/office/drawing/2014/main" id="{63903ADD-56D2-75BA-534E-B428A01834E9}"/>
+                <a16:creationId xmlns:a16="http://schemas.microsoft.com/office/drawing/2014/main" id="{18F5A9AC-D769-E128-0885-6A5A4BB0226A}"/>
               </a:ext>
             </a:extLst>
           </p:cNvPr>
@@ -2507,7 +2507,7 @@
           <p:cNvPr id="3" name="图片占位符 2">
             <a:extLst>
               <a:ext uri="{FF2B5EF4-FFF2-40B4-BE49-F238E27FC236}">
-                <a16:creationId xmlns:a16="http://schemas.microsoft.com/office/drawing/2014/main" id="{FE994FD0-2313-974E-BB56-5A099F0CCDAD}"/>
+                <a16:creationId xmlns:a16="http://schemas.microsoft.com/office/drawing/2014/main" id="{DF758088-1B96-222C-B615-DE328C20031C}"/>
               </a:ext>
             </a:extLst>
           </p:cNvPr>
@@ -2574,7 +2574,7 @@
           <p:cNvPr id="4" name="文本占位符 3">
             <a:extLst>
               <a:ext uri="{FF2B5EF4-FFF2-40B4-BE49-F238E27FC236}">
-                <a16:creationId xmlns:a16="http://schemas.microsoft.com/office/drawing/2014/main" id="{EBD4C0B4-66B0-6A35-B9A7-04523A6237CC}"/>
+                <a16:creationId xmlns:a16="http://schemas.microsoft.com/office/drawing/2014/main" id="{273321A3-7E37-52A3-BAC3-524E4AD69E2E}"/>
               </a:ext>
             </a:extLst>
           </p:cNvPr>
@@ -2645,7 +2645,7 @@
           <p:cNvPr id="5" name="日期占位符 4">
             <a:extLst>
               <a:ext uri="{FF2B5EF4-FFF2-40B4-BE49-F238E27FC236}">
-                <a16:creationId xmlns:a16="http://schemas.microsoft.com/office/drawing/2014/main" id="{0606E07D-6C2E-A799-AAD2-A0A5AFAB3BEE}"/>
+                <a16:creationId xmlns:a16="http://schemas.microsoft.com/office/drawing/2014/main" id="{CEDE9F51-A0B4-2F65-7292-3F2DBB0888DF}"/>
               </a:ext>
             </a:extLst>
           </p:cNvPr>
@@ -2661,7 +2661,7 @@
           <a:bodyPr/>
           <a:lstStyle/>
           <a:p>
-            <a:fld id="{80515C46-47E4-453F-A723-13E5B03BA35D}" type="datetimeFigureOut">
+            <a:fld id="{D2556E46-BA6E-43D8-B233-0D5DAEF78CBA}" type="datetimeFigureOut">
               <a:rPr lang="zh-CN" altLang="en-US" smtClean="0"/>
               <a:t>2024/3/10</a:t>
             </a:fld>
@@ -2674,7 +2674,7 @@
           <p:cNvPr id="6" name="页脚占位符 5">
             <a:extLst>
               <a:ext uri="{FF2B5EF4-FFF2-40B4-BE49-F238E27FC236}">
-                <a16:creationId xmlns:a16="http://schemas.microsoft.com/office/drawing/2014/main" id="{1AAB97B7-A60D-AE2D-CD29-4C3732A229BB}"/>
+                <a16:creationId xmlns:a16="http://schemas.microsoft.com/office/drawing/2014/main" id="{99943236-3634-9545-9239-64BB862E66D4}"/>
               </a:ext>
             </a:extLst>
           </p:cNvPr>
@@ -2699,7 +2699,7 @@
           <p:cNvPr id="7" name="灯片编号占位符 6">
             <a:extLst>
               <a:ext uri="{FF2B5EF4-FFF2-40B4-BE49-F238E27FC236}">
-                <a16:creationId xmlns:a16="http://schemas.microsoft.com/office/drawing/2014/main" id="{4BC3647E-24D3-102D-2EA3-44E6450FCD99}"/>
+                <a16:creationId xmlns:a16="http://schemas.microsoft.com/office/drawing/2014/main" id="{566DF0FD-0369-391F-AD96-F5EF4F50C85F}"/>
               </a:ext>
             </a:extLst>
           </p:cNvPr>
@@ -2715,7 +2715,7 @@
           <a:bodyPr/>
           <a:lstStyle/>
           <a:p>
-            <a:fld id="{720E33EE-3795-4EB6-B4FD-6662FD8F796F}" type="slidenum">
+            <a:fld id="{B73C33F9-7D4E-4987-8719-C2D3CB22C427}" type="slidenum">
               <a:rPr lang="zh-CN" altLang="en-US" smtClean="0"/>
               <a:t>‹#›</a:t>
             </a:fld>
@@ -2726,7 +2726,7 @@
     </p:spTree>
     <p:extLst>
       <p:ext uri="{BB962C8B-B14F-4D97-AF65-F5344CB8AC3E}">
-        <p14:creationId xmlns:p14="http://schemas.microsoft.com/office/powerpoint/2010/main" val="4127548339"/>
+        <p14:creationId xmlns:p14="http://schemas.microsoft.com/office/powerpoint/2010/main" val="2069798044"/>
       </p:ext>
     </p:extLst>
   </p:cSld>
@@ -2763,7 +2763,7 @@
           <p:cNvPr id="2" name="标题占位符 1">
             <a:extLst>
               <a:ext uri="{FF2B5EF4-FFF2-40B4-BE49-F238E27FC236}">
-                <a16:creationId xmlns:a16="http://schemas.microsoft.com/office/drawing/2014/main" id="{2C92A592-009D-00CF-6503-5E8B9709BCCB}"/>
+                <a16:creationId xmlns:a16="http://schemas.microsoft.com/office/drawing/2014/main" id="{1280A7AD-46CA-88DD-06BC-EE94F37C7C3B}"/>
               </a:ext>
             </a:extLst>
           </p:cNvPr>
@@ -2801,7 +2801,7 @@
           <p:cNvPr id="3" name="文本占位符 2">
             <a:extLst>
               <a:ext uri="{FF2B5EF4-FFF2-40B4-BE49-F238E27FC236}">
-                <a16:creationId xmlns:a16="http://schemas.microsoft.com/office/drawing/2014/main" id="{DA89EB59-D0DA-2ED4-C991-244EEFE50BE3}"/>
+                <a16:creationId xmlns:a16="http://schemas.microsoft.com/office/drawing/2014/main" id="{A8E2A8A9-93A5-B310-79E1-0AA13463E8E5}"/>
               </a:ext>
             </a:extLst>
           </p:cNvPr>
@@ -2868,7 +2868,7 @@
           <p:cNvPr id="4" name="日期占位符 3">
             <a:extLst>
               <a:ext uri="{FF2B5EF4-FFF2-40B4-BE49-F238E27FC236}">
-                <a16:creationId xmlns:a16="http://schemas.microsoft.com/office/drawing/2014/main" id="{C80D0BD2-FE8C-B4FF-1F35-D6631CB5CDC4}"/>
+                <a16:creationId xmlns:a16="http://schemas.microsoft.com/office/drawing/2014/main" id="{A656C7AA-A412-57F7-56AA-A42DA4013051}"/>
               </a:ext>
             </a:extLst>
           </p:cNvPr>
@@ -2902,7 +2902,7 @@
             </a:lvl1pPr>
           </a:lstStyle>
           <a:p>
-            <a:fld id="{80515C46-47E4-453F-A723-13E5B03BA35D}" type="datetimeFigureOut">
+            <a:fld id="{D2556E46-BA6E-43D8-B233-0D5DAEF78CBA}" type="datetimeFigureOut">
               <a:rPr lang="zh-CN" altLang="en-US" smtClean="0"/>
               <a:t>2024/3/10</a:t>
             </a:fld>
@@ -2915,7 +2915,7 @@
           <p:cNvPr id="5" name="页脚占位符 4">
             <a:extLst>
               <a:ext uri="{FF2B5EF4-FFF2-40B4-BE49-F238E27FC236}">
-                <a16:creationId xmlns:a16="http://schemas.microsoft.com/office/drawing/2014/main" id="{284860FD-C7FD-D167-D204-86D4322DF362}"/>
+                <a16:creationId xmlns:a16="http://schemas.microsoft.com/office/drawing/2014/main" id="{F3C464E7-52B3-02F0-5B99-68C0A5564547}"/>
               </a:ext>
             </a:extLst>
           </p:cNvPr>
@@ -2958,7 +2958,7 @@
           <p:cNvPr id="6" name="灯片编号占位符 5">
             <a:extLst>
               <a:ext uri="{FF2B5EF4-FFF2-40B4-BE49-F238E27FC236}">
-                <a16:creationId xmlns:a16="http://schemas.microsoft.com/office/drawing/2014/main" id="{4E09A8CE-96AC-9B2F-2CC3-1828FDE71D60}"/>
+                <a16:creationId xmlns:a16="http://schemas.microsoft.com/office/drawing/2014/main" id="{0CF41875-0C7A-D649-A749-5712467BB875}"/>
               </a:ext>
             </a:extLst>
           </p:cNvPr>
@@ -2992,7 +2992,7 @@
             </a:lvl1pPr>
           </a:lstStyle>
           <a:p>
-            <a:fld id="{720E33EE-3795-4EB6-B4FD-6662FD8F796F}" type="slidenum">
+            <a:fld id="{B73C33F9-7D4E-4987-8719-C2D3CB22C427}" type="slidenum">
               <a:rPr lang="zh-CN" altLang="en-US" smtClean="0"/>
               <a:t>‹#›</a:t>
             </a:fld>
@@ -3003,7 +3003,7 @@
     </p:spTree>
     <p:extLst>
       <p:ext uri="{BB962C8B-B14F-4D97-AF65-F5344CB8AC3E}">
-        <p14:creationId xmlns:p14="http://schemas.microsoft.com/office/powerpoint/2010/main" val="2105036772"/>
+        <p14:creationId xmlns:p14="http://schemas.microsoft.com/office/powerpoint/2010/main" val="964509112"/>
       </p:ext>
     </p:extLst>
   </p:cSld>
@@ -3323,7 +3323,7 @@
       </p:grpSpPr>
       <p:pic>
         <p:nvPicPr>
-          <p:cNvPr id="920578" name="Picture 2" descr="898"/>
+          <p:cNvPr id="921602" name="Picture 2" descr="899"/>
           <p:cNvPicPr>
             <a:picLocks noChangeAspect="1" noChangeArrowheads="1"/>
           </p:cNvPicPr>
@@ -3375,158 +3375,11 @@
           </a:extLst>
         </p:spPr>
       </p:pic>
-      <p:pic>
-        <p:nvPicPr>
-          <p:cNvPr id="921603" name="Picture 3" descr="898-2"/>
-          <p:cNvPicPr>
-            <a:picLocks noChangeAspect="1" noChangeArrowheads="1"/>
-          </p:cNvPicPr>
-          <p:nvPr/>
-        </p:nvPicPr>
-        <p:blipFill>
-          <a:blip r:embed="rId3">
-            <a:extLst>
-              <a:ext uri="{28A0092B-C50C-407E-A947-70E740481C1C}">
-                <a14:useLocalDpi xmlns:a14="http://schemas.microsoft.com/office/drawing/2010/main" val="0"/>
-              </a:ext>
-            </a:extLst>
-          </a:blip>
-          <a:srcRect/>
-          <a:stretch>
-            <a:fillRect/>
-          </a:stretch>
-        </p:blipFill>
-        <p:spPr bwMode="auto">
-          <a:xfrm>
-            <a:off x="1543050" y="1"/>
-            <a:ext cx="9124950" cy="6843713"/>
-          </a:xfrm>
-          <a:prstGeom prst="rect">
-            <a:avLst/>
-          </a:prstGeom>
-          <a:noFill/>
-          <a:ln>
-            <a:noFill/>
-          </a:ln>
-          <a:effectLst/>
-          <a:extLst>
-            <a:ext uri="{909E8E84-426E-40DD-AFC4-6F175D3DCCD1}">
-              <a14:hiddenFill xmlns:a14="http://schemas.microsoft.com/office/drawing/2010/main">
-                <a:solidFill>
-                  <a:srgbClr val="FFFFFF"/>
-                </a:solidFill>
-              </a14:hiddenFill>
-            </a:ext>
-            <a:ext uri="{91240B29-F687-4F45-9708-019B960494DF}">
-              <a14:hiddenLine xmlns:a14="http://schemas.microsoft.com/office/drawing/2010/main" w="9525">
-                <a:solidFill>
-                  <a:srgbClr val="000000"/>
-                </a:solidFill>
-                <a:miter lim="800000"/>
-                <a:headEnd/>
-                <a:tailEnd/>
-              </a14:hiddenLine>
-            </a:ext>
-            <a:ext uri="{AF507438-7753-43E0-B8FC-AC1667EBCBE1}">
-              <a14:hiddenEffects xmlns:a14="http://schemas.microsoft.com/office/drawing/2010/main">
-                <a:effectLst>
-                  <a:outerShdw dist="35921" dir="2700000" algn="ctr" rotWithShape="0">
-                    <a:srgbClr val="808080"/>
-                  </a:outerShdw>
-                </a:effectLst>
-              </a14:hiddenEffects>
-            </a:ext>
-          </a:extLst>
-        </p:spPr>
-      </p:pic>
     </p:spTree>
   </p:cSld>
   <p:clrMapOvr>
     <a:masterClrMapping/>
   </p:clrMapOvr>
-  <p:timing>
-    <p:tnLst>
-      <p:par>
-        <p:cTn id="1" dur="indefinite" restart="never" nodeType="tmRoot">
-          <p:childTnLst>
-            <p:seq concurrent="1" nextAc="seek">
-              <p:cTn id="2" dur="indefinite" nodeType="mainSeq">
-                <p:childTnLst>
-                  <p:par>
-                    <p:cTn id="3" fill="hold" nodeType="clickPar">
-                      <p:stCondLst>
-                        <p:cond delay="indefinite"/>
-                      </p:stCondLst>
-                      <p:childTnLst>
-                        <p:par>
-                          <p:cTn id="4" fill="hold" nodeType="withGroup">
-                            <p:stCondLst>
-                              <p:cond delay="0"/>
-                            </p:stCondLst>
-                            <p:childTnLst>
-                              <p:par>
-                                <p:cTn id="5" presetID="10" presetClass="entr" presetSubtype="0" fill="hold" nodeType="clickEffect">
-                                  <p:stCondLst>
-                                    <p:cond delay="0"/>
-                                  </p:stCondLst>
-                                  <p:childTnLst>
-                                    <p:set>
-                                      <p:cBhvr>
-                                        <p:cTn id="6" dur="1" fill="hold">
-                                          <p:stCondLst>
-                                            <p:cond delay="0"/>
-                                          </p:stCondLst>
-                                        </p:cTn>
-                                        <p:tgtEl>
-                                          <p:spTgt spid="921603"/>
-                                        </p:tgtEl>
-                                        <p:attrNameLst>
-                                          <p:attrName>style.visibility</p:attrName>
-                                        </p:attrNameLst>
-                                      </p:cBhvr>
-                                      <p:to>
-                                        <p:strVal val="visible"/>
-                                      </p:to>
-                                    </p:set>
-                                    <p:animEffect transition="in" filter="fade">
-                                      <p:cBhvr>
-                                        <p:cTn id="7" dur="500"/>
-                                        <p:tgtEl>
-                                          <p:spTgt spid="921603"/>
-                                        </p:tgtEl>
-                                      </p:cBhvr>
-                                    </p:animEffect>
-                                  </p:childTnLst>
-                                </p:cTn>
-                              </p:par>
-                            </p:childTnLst>
-                          </p:cTn>
-                        </p:par>
-                      </p:childTnLst>
-                    </p:cTn>
-                  </p:par>
-                </p:childTnLst>
-              </p:cTn>
-              <p:prevCondLst>
-                <p:cond evt="onPrev" delay="0">
-                  <p:tgtEl>
-                    <p:sldTgt/>
-                  </p:tgtEl>
-                </p:cond>
-              </p:prevCondLst>
-              <p:nextCondLst>
-                <p:cond evt="onNext" delay="0">
-                  <p:tgtEl>
-                    <p:sldTgt/>
-                  </p:tgtEl>
-                </p:cond>
-              </p:nextCondLst>
-            </p:seq>
-          </p:childTnLst>
-        </p:cTn>
-      </p:par>
-    </p:tnLst>
-  </p:timing>
 </p:sld>
 </file>
 
